--- a/DS105-01.pptx
+++ b/DS105-01.pptx
@@ -5883,6 +5883,34 @@
               <a:rPr lang="en-US" sz="4000" dirty="0"/>
               <a:t> research highlight pres.): 15%</a:t>
             </a:r>
+          </a:p>
+          <a:p>
+            <a:pPr marL="0" indent="0">
+              <a:lnSpc>
+                <a:spcPct val="200000"/>
+              </a:lnSpc>
+              <a:buNone/>
+            </a:pPr>
+            <a:r>
+              <a:rPr lang="en-US" sz="4000" dirty="0"/>
+              <a:t>Important: </a:t>
+            </a:r>
+            <a:r>
+              <a:rPr lang="en-US" sz="4000" dirty="0">
+                <a:hlinkClick r:id="rId2"/>
+              </a:rPr>
+              <a:t>https://github.com/Lummetry/DS105</a:t>
+            </a:r>
+            <a:endParaRPr lang="en-US" sz="4000" dirty="0"/>
+          </a:p>
+          <a:p>
+            <a:pPr marL="0" indent="0">
+              <a:lnSpc>
+                <a:spcPct val="200000"/>
+              </a:lnSpc>
+              <a:buNone/>
+            </a:pPr>
+            <a:endParaRPr lang="en-US" sz="4000" dirty="0"/>
           </a:p>
           <a:p>
             <a:pPr>
